--- a/H.H.pptx
+++ b/H.H.pptx
@@ -204,7 +204,7 @@
           <a:p>
             <a:fld id="{F96D9391-8EEF-F344-B559-EBA44D57364B}" type="datetimeFigureOut">
               <a:rPr lang="en-US" smtClean="0"/>
-              <a:t>1/17/22</a:t>
+              <a:t>1/20/22</a:t>
             </a:fld>
             <a:endParaRPr lang="en-US"/>
           </a:p>
@@ -1054,7 +1054,7 @@
           <a:p>
             <a:fld id="{5E72A812-CD60-B443-A512-1F747440748B}" type="datetimeFigureOut">
               <a:rPr lang="en-US" smtClean="0"/>
-              <a:t>1/17/22</a:t>
+              <a:t>1/20/22</a:t>
             </a:fld>
             <a:endParaRPr lang="en-US"/>
           </a:p>
@@ -1378,7 +1378,7 @@
           <a:p>
             <a:fld id="{5E72A812-CD60-B443-A512-1F747440748B}" type="datetimeFigureOut">
               <a:rPr lang="en-US" smtClean="0"/>
-              <a:t>1/17/22</a:t>
+              <a:t>1/20/22</a:t>
             </a:fld>
             <a:endParaRPr lang="en-US"/>
           </a:p>
@@ -1626,7 +1626,7 @@
           <a:p>
             <a:fld id="{5E72A812-CD60-B443-A512-1F747440748B}" type="datetimeFigureOut">
               <a:rPr lang="en-US" smtClean="0"/>
-              <a:t>1/17/22</a:t>
+              <a:t>1/20/22</a:t>
             </a:fld>
             <a:endParaRPr lang="en-US"/>
           </a:p>
@@ -1965,7 +1965,7 @@
           <a:p>
             <a:fld id="{5E72A812-CD60-B443-A512-1F747440748B}" type="datetimeFigureOut">
               <a:rPr lang="en-US" smtClean="0"/>
-              <a:t>1/17/22</a:t>
+              <a:t>1/20/22</a:t>
             </a:fld>
             <a:endParaRPr lang="en-US"/>
           </a:p>
@@ -2312,7 +2312,7 @@
           <a:p>
             <a:fld id="{5E72A812-CD60-B443-A512-1F747440748B}" type="datetimeFigureOut">
               <a:rPr lang="en-US" smtClean="0"/>
-              <a:t>1/17/22</a:t>
+              <a:t>1/20/22</a:t>
             </a:fld>
             <a:endParaRPr lang="en-US"/>
           </a:p>
@@ -2686,7 +2686,7 @@
           <a:p>
             <a:fld id="{5E72A812-CD60-B443-A512-1F747440748B}" type="datetimeFigureOut">
               <a:rPr lang="en-US" smtClean="0"/>
-              <a:t>1/17/22</a:t>
+              <a:t>1/20/22</a:t>
             </a:fld>
             <a:endParaRPr lang="en-US"/>
           </a:p>
@@ -3156,7 +3156,7 @@
           <a:p>
             <a:fld id="{5E72A812-CD60-B443-A512-1F747440748B}" type="datetimeFigureOut">
               <a:rPr lang="en-US" smtClean="0"/>
-              <a:t>1/17/22</a:t>
+              <a:t>1/20/22</a:t>
             </a:fld>
             <a:endParaRPr lang="en-US"/>
           </a:p>
@@ -3361,7 +3361,7 @@
           <a:p>
             <a:fld id="{5E72A812-CD60-B443-A512-1F747440748B}" type="datetimeFigureOut">
               <a:rPr lang="en-US" smtClean="0"/>
-              <a:t>1/17/22</a:t>
+              <a:t>1/20/22</a:t>
             </a:fld>
             <a:endParaRPr lang="en-US"/>
           </a:p>
@@ -3572,7 +3572,7 @@
           <a:p>
             <a:fld id="{5E72A812-CD60-B443-A512-1F747440748B}" type="datetimeFigureOut">
               <a:rPr lang="en-US" smtClean="0"/>
-              <a:t>1/17/22</a:t>
+              <a:t>1/20/22</a:t>
             </a:fld>
             <a:endParaRPr lang="en-US"/>
           </a:p>
@@ -3804,7 +3804,7 @@
           <a:p>
             <a:fld id="{5E72A812-CD60-B443-A512-1F747440748B}" type="datetimeFigureOut">
               <a:rPr lang="en-US" smtClean="0"/>
-              <a:t>1/17/22</a:t>
+              <a:t>1/20/22</a:t>
             </a:fld>
             <a:endParaRPr lang="en-US"/>
           </a:p>
@@ -4052,7 +4052,7 @@
           <a:p>
             <a:fld id="{5E72A812-CD60-B443-A512-1F747440748B}" type="datetimeFigureOut">
               <a:rPr lang="en-US" smtClean="0"/>
-              <a:t>1/17/22</a:t>
+              <a:t>1/20/22</a:t>
             </a:fld>
             <a:endParaRPr lang="en-US"/>
           </a:p>
@@ -4350,7 +4350,7 @@
           <a:p>
             <a:fld id="{5E72A812-CD60-B443-A512-1F747440748B}" type="datetimeFigureOut">
               <a:rPr lang="en-US" smtClean="0"/>
-              <a:t>1/17/22</a:t>
+              <a:t>1/20/22</a:t>
             </a:fld>
             <a:endParaRPr lang="en-US"/>
           </a:p>
@@ -4744,7 +4744,7 @@
           <a:p>
             <a:fld id="{5E72A812-CD60-B443-A512-1F747440748B}" type="datetimeFigureOut">
               <a:rPr lang="en-US" smtClean="0"/>
-              <a:t>1/17/22</a:t>
+              <a:t>1/20/22</a:t>
             </a:fld>
             <a:endParaRPr lang="en-US"/>
           </a:p>
@@ -4893,7 +4893,7 @@
           <a:p>
             <a:fld id="{5E72A812-CD60-B443-A512-1F747440748B}" type="datetimeFigureOut">
               <a:rPr lang="en-US" smtClean="0"/>
-              <a:t>1/17/22</a:t>
+              <a:t>1/20/22</a:t>
             </a:fld>
             <a:endParaRPr lang="en-US"/>
           </a:p>
@@ -5019,7 +5019,7 @@
           <a:p>
             <a:fld id="{5E72A812-CD60-B443-A512-1F747440748B}" type="datetimeFigureOut">
               <a:rPr lang="en-US" smtClean="0"/>
-              <a:t>1/17/22</a:t>
+              <a:t>1/20/22</a:t>
             </a:fld>
             <a:endParaRPr lang="en-US"/>
           </a:p>
@@ -5274,7 +5274,7 @@
           <a:p>
             <a:fld id="{5E72A812-CD60-B443-A512-1F747440748B}" type="datetimeFigureOut">
               <a:rPr lang="en-US" smtClean="0"/>
-              <a:t>1/17/22</a:t>
+              <a:t>1/20/22</a:t>
             </a:fld>
             <a:endParaRPr lang="en-US"/>
           </a:p>
@@ -5589,7 +5589,7 @@
           <a:p>
             <a:fld id="{5E72A812-CD60-B443-A512-1F747440748B}" type="datetimeFigureOut">
               <a:rPr lang="en-US" smtClean="0"/>
-              <a:t>1/17/22</a:t>
+              <a:t>1/20/22</a:t>
             </a:fld>
             <a:endParaRPr lang="en-US"/>
           </a:p>
@@ -5940,7 +5940,7 @@
           <a:p>
             <a:fld id="{5E72A812-CD60-B443-A512-1F747440748B}" type="datetimeFigureOut">
               <a:rPr lang="en-US" smtClean="0"/>
-              <a:t>1/17/22</a:t>
+              <a:t>1/20/22</a:t>
             </a:fld>
             <a:endParaRPr lang="en-US"/>
           </a:p>
@@ -7363,8 +7363,8 @@
         </p:nvSpPr>
         <p:spPr>
           <a:xfrm>
-            <a:off x="1331496" y="3428999"/>
-            <a:ext cx="2433108" cy="1754326"/>
+            <a:off x="1008489" y="2729162"/>
+            <a:ext cx="2751052" cy="1477328"/>
           </a:xfrm>
           <a:prstGeom prst="rect">
             <a:avLst/>
@@ -7380,6 +7380,41 @@
             <a:r>
               <a:rPr lang="en-US" dirty="0"/>
               <a:t>Bp can damage your arteries by making them less elastic, which decreases the flow of blood and oxygen to your heart. </a:t>
+            </a:r>
+          </a:p>
+        </p:txBody>
+      </p:sp>
+      <p:sp>
+        <p:nvSpPr>
+          <p:cNvPr id="4" name="TextBox 3">
+            <a:extLst>
+              <a:ext uri="{FF2B5EF4-FFF2-40B4-BE49-F238E27FC236}">
+                <a16:creationId xmlns:a16="http://schemas.microsoft.com/office/drawing/2014/main" id="{B538F6DE-B691-A84F-B4DE-5E85CE194A4D}"/>
+              </a:ext>
+            </a:extLst>
+          </p:cNvPr>
+          <p:cNvSpPr txBox="1"/>
+          <p:nvPr/>
+        </p:nvSpPr>
+        <p:spPr>
+          <a:xfrm>
+            <a:off x="929140" y="4630367"/>
+            <a:ext cx="3025914" cy="1200329"/>
+          </a:xfrm>
+          <a:prstGeom prst="rect">
+            <a:avLst/>
+          </a:prstGeom>
+          <a:noFill/>
+        </p:spPr>
+        <p:txBody>
+          <a:bodyPr wrap="square" rtlCol="0">
+            <a:spAutoFit/>
+          </a:bodyPr>
+          <a:lstStyle/>
+          <a:p>
+            <a:r>
+              <a:rPr lang="en-US" b="1" dirty="0"/>
+              <a:t>Exercise regularly, Boosting the K levels and reduce the Na levels. Reduce your stress.</a:t>
             </a:r>
           </a:p>
         </p:txBody>
@@ -8679,6 +8714,41 @@
           </a:xfrm>
         </p:spPr>
       </p:pic>
+      <p:sp>
+        <p:nvSpPr>
+          <p:cNvPr id="3" name="TextBox 2">
+            <a:extLst>
+              <a:ext uri="{FF2B5EF4-FFF2-40B4-BE49-F238E27FC236}">
+                <a16:creationId xmlns:a16="http://schemas.microsoft.com/office/drawing/2014/main" id="{79DA3506-2C3A-6943-89ED-2921BB3AF635}"/>
+              </a:ext>
+            </a:extLst>
+          </p:cNvPr>
+          <p:cNvSpPr txBox="1"/>
+          <p:nvPr/>
+        </p:nvSpPr>
+        <p:spPr>
+          <a:xfrm>
+            <a:off x="1369583" y="5604678"/>
+            <a:ext cx="6531472" cy="646331"/>
+          </a:xfrm>
+          <a:prstGeom prst="rect">
+            <a:avLst/>
+          </a:prstGeom>
+          <a:noFill/>
+        </p:spPr>
+        <p:txBody>
+          <a:bodyPr wrap="square" rtlCol="0">
+            <a:spAutoFit/>
+          </a:bodyPr>
+          <a:lstStyle/>
+          <a:p>
+            <a:r>
+              <a:rPr lang="en-US" dirty="0"/>
+              <a:t>The aging of other organ systems, including the muscles, kidneys, and lungs, also likely contributes to heart disease.</a:t>
+            </a:r>
+          </a:p>
+        </p:txBody>
+      </p:sp>
     </p:spTree>
     <p:extLst>
       <p:ext uri="{BB962C8B-B14F-4D97-AF65-F5344CB8AC3E}">
@@ -9062,8 +9132,8 @@
         </p:nvSpPr>
         <p:spPr>
           <a:xfrm>
-            <a:off x="732209" y="1688929"/>
-            <a:ext cx="10608726" cy="2956322"/>
+            <a:off x="667265" y="2353763"/>
+            <a:ext cx="11169966" cy="2540824"/>
           </a:xfrm>
           <a:prstGeom prst="rect">
             <a:avLst/>
@@ -9088,7 +9158,7 @@
                 <a:latin typeface="Consolas" panose="020B0609020204030204" pitchFamily="49" charset="0"/>
                 <a:cs typeface="Consolas" panose="020B0609020204030204" pitchFamily="49" charset="0"/>
               </a:rPr>
-              <a:t>Based on the dataset I prefer two are the best models</a:t>
+              <a:t>I used to do all types of classification models for verification, which model having good accuracy.</a:t>
             </a:r>
           </a:p>
           <a:p>
@@ -9104,7 +9174,7 @@
                 <a:latin typeface="Consolas" panose="020B0609020204030204" pitchFamily="49" charset="0"/>
                 <a:cs typeface="Consolas" panose="020B0609020204030204" pitchFamily="49" charset="0"/>
               </a:rPr>
-              <a:t>KNN classifier and logistical regression are best models in my view.</a:t>
+              <a:t>Based on this data set I have two are best models.</a:t>
             </a:r>
           </a:p>
           <a:p>
@@ -9120,7 +9190,7 @@
                 <a:latin typeface="Consolas" panose="020B0609020204030204" pitchFamily="49" charset="0"/>
                 <a:cs typeface="Consolas" panose="020B0609020204030204" pitchFamily="49" charset="0"/>
               </a:rPr>
-              <a:t>Comparatively these two are good  at test scores. </a:t>
+              <a:t>KNN classifier and logistical regression are best models in my point of view.</a:t>
             </a:r>
           </a:p>
           <a:p>
@@ -9136,23 +9206,7 @@
                 <a:latin typeface="Consolas" panose="020B0609020204030204" pitchFamily="49" charset="0"/>
                 <a:cs typeface="Consolas" panose="020B0609020204030204" pitchFamily="49" charset="0"/>
               </a:rPr>
-              <a:t>These scores are less overfitting, better scores for the test than another algorithm.</a:t>
-            </a:r>
-          </a:p>
-          <a:p>
-            <a:pPr marL="285750" indent="-285750">
-              <a:lnSpc>
-                <a:spcPct val="150000"/>
-              </a:lnSpc>
-              <a:buFont typeface="Arial" panose="020B0604020202020204" pitchFamily="34" charset="0"/>
-              <a:buChar char="•"/>
-            </a:pPr>
-            <a:r>
-              <a:rPr lang="en-US" dirty="0">
-                <a:latin typeface="Consolas" panose="020B0609020204030204" pitchFamily="49" charset="0"/>
-                <a:cs typeface="Consolas" panose="020B0609020204030204" pitchFamily="49" charset="0"/>
-              </a:rPr>
-              <a:t>I recommended KNN and Logistical Regression for this dataset.  </a:t>
+              <a:t>Comparatively these two are good  at test scores. </a:t>
             </a:r>
           </a:p>
           <a:p>
@@ -9272,8 +9326,133 @@
                 <a:latin typeface="Consolas" panose="020B0609020204030204" pitchFamily="49" charset="0"/>
                 <a:cs typeface="Consolas" panose="020B0609020204030204" pitchFamily="49" charset="0"/>
               </a:rPr>
-              <a:t>       Thank You</a:t>
-            </a:r>
+              <a:t>       </a:t>
+            </a:r>
+          </a:p>
+        </p:txBody>
+      </p:sp>
+      <p:sp>
+        <p:nvSpPr>
+          <p:cNvPr id="5" name="TextBox 4">
+            <a:extLst>
+              <a:ext uri="{FF2B5EF4-FFF2-40B4-BE49-F238E27FC236}">
+                <a16:creationId xmlns:a16="http://schemas.microsoft.com/office/drawing/2014/main" id="{B137B0D9-8104-AA40-8296-2370952D1548}"/>
+              </a:ext>
+            </a:extLst>
+          </p:cNvPr>
+          <p:cNvSpPr txBox="1"/>
+          <p:nvPr/>
+        </p:nvSpPr>
+        <p:spPr>
+          <a:xfrm>
+            <a:off x="4186410" y="1388125"/>
+            <a:ext cx="3351943" cy="646331"/>
+          </a:xfrm>
+          <a:prstGeom prst="rect">
+            <a:avLst/>
+          </a:prstGeom>
+          <a:noFill/>
+        </p:spPr>
+        <p:txBody>
+          <a:bodyPr wrap="none" rtlCol="0">
+            <a:spAutoFit/>
+          </a:bodyPr>
+          <a:lstStyle/>
+          <a:p>
+            <a:r>
+              <a:rPr lang="en-US" sz="3600" dirty="0"/>
+              <a:t>Recommendation</a:t>
+            </a:r>
+          </a:p>
+        </p:txBody>
+      </p:sp>
+      <p:sp>
+        <p:nvSpPr>
+          <p:cNvPr id="10" name="TextBox 9">
+            <a:extLst>
+              <a:ext uri="{FF2B5EF4-FFF2-40B4-BE49-F238E27FC236}">
+                <a16:creationId xmlns:a16="http://schemas.microsoft.com/office/drawing/2014/main" id="{006729FA-6F4E-1542-8DA8-CE0995E5A14D}"/>
+              </a:ext>
+            </a:extLst>
+          </p:cNvPr>
+          <p:cNvSpPr txBox="1"/>
+          <p:nvPr/>
+        </p:nvSpPr>
+        <p:spPr>
+          <a:xfrm>
+            <a:off x="1322174" y="2864302"/>
+            <a:ext cx="9774194" cy="2540824"/>
+          </a:xfrm>
+          <a:prstGeom prst="rect">
+            <a:avLst/>
+          </a:prstGeom>
+          <a:noFill/>
+        </p:spPr>
+        <p:txBody>
+          <a:bodyPr wrap="square" rtlCol="0">
+            <a:spAutoFit/>
+          </a:bodyPr>
+          <a:lstStyle/>
+          <a:p>
+            <a:pPr marL="285750" indent="-285750">
+              <a:lnSpc>
+                <a:spcPct val="150000"/>
+              </a:lnSpc>
+              <a:buFont typeface="Arial" panose="020B0604020202020204" pitchFamily="34" charset="0"/>
+              <a:buChar char="•"/>
+            </a:pPr>
+            <a:r>
+              <a:rPr lang="en-US" dirty="0">
+                <a:latin typeface="Consolas" panose="020B0609020204030204" pitchFamily="49" charset="0"/>
+                <a:cs typeface="Consolas" panose="020B0609020204030204" pitchFamily="49" charset="0"/>
+              </a:rPr>
+              <a:t>I recommended KNN and Logistical Regression for this dataset.</a:t>
+            </a:r>
+          </a:p>
+          <a:p>
+            <a:pPr marL="285750" indent="-285750">
+              <a:lnSpc>
+                <a:spcPct val="150000"/>
+              </a:lnSpc>
+              <a:buFont typeface="Arial" panose="020B0604020202020204" pitchFamily="34" charset="0"/>
+              <a:buChar char="•"/>
+            </a:pPr>
+            <a:r>
+              <a:rPr lang="en-US" dirty="0">
+                <a:latin typeface="Consolas" panose="020B0609020204030204" pitchFamily="49" charset="0"/>
+                <a:cs typeface="Consolas" panose="020B0609020204030204" pitchFamily="49" charset="0"/>
+              </a:rPr>
+              <a:t>These scores are less overfitting, better scores for the test than another algorithm.  </a:t>
+            </a:r>
+          </a:p>
+          <a:p>
+            <a:pPr marL="285750" indent="-285750">
+              <a:lnSpc>
+                <a:spcPct val="150000"/>
+              </a:lnSpc>
+              <a:buFont typeface="Arial" panose="020B0604020202020204" pitchFamily="34" charset="0"/>
+              <a:buChar char="•"/>
+            </a:pPr>
+            <a:r>
+              <a:rPr lang="en-US" dirty="0">
+                <a:latin typeface="Consolas" panose="020B0609020204030204" pitchFamily="49" charset="0"/>
+                <a:cs typeface="Consolas" panose="020B0609020204030204" pitchFamily="49" charset="0"/>
+              </a:rPr>
+              <a:t>I suspect this sort of approach will become increasingly important as machine learning has a greater and greater role in health care.</a:t>
+            </a:r>
+          </a:p>
+          <a:p>
+            <a:pPr marL="285750" indent="-285750">
+              <a:lnSpc>
+                <a:spcPct val="150000"/>
+              </a:lnSpc>
+              <a:buFont typeface="Arial" panose="020B0604020202020204" pitchFamily="34" charset="0"/>
+              <a:buChar char="•"/>
+            </a:pPr>
+            <a:endParaRPr lang="en-US" dirty="0">
+              <a:latin typeface="Consolas" panose="020B0609020204030204" pitchFamily="49" charset="0"/>
+              <a:cs typeface="Consolas" panose="020B0609020204030204" pitchFamily="49" charset="0"/>
+            </a:endParaRPr>
           </a:p>
         </p:txBody>
       </p:sp>
